--- a/documentation/presentations/DemoCampBerlin_2009/Net4j-Presentation.pptx
+++ b/documentation/presentations/DemoCampBerlin_2009/Net4j-Presentation.pptx
@@ -194,7 +194,7 @@
         </p:nvSpPr>
         <p:spPr bwMode="auto">
           <a:xfrm>
-            <a:off x="6" y="2"/>
+            <a:off x="7" y="3"/>
             <a:ext cx="3076363" cy="511731"/>
           </a:xfrm>
           <a:prstGeom prst="rect">
@@ -209,7 +209,7 @@
           </a:ln>
         </p:spPr>
         <p:txBody>
-          <a:bodyPr vert="horz" wrap="square" lIns="83073" tIns="41537" rIns="83073" bIns="41537" numCol="1" anchor="t" anchorCtr="0" compatLnSpc="1">
+          <a:bodyPr vert="horz" wrap="square" lIns="83067" tIns="41534" rIns="83067" bIns="41534" numCol="1" anchor="t" anchorCtr="0" compatLnSpc="1">
             <a:prstTxWarp prst="textNoShape">
               <a:avLst/>
             </a:prstTxWarp>
@@ -236,7 +236,7 @@
         </p:nvSpPr>
         <p:spPr bwMode="auto">
           <a:xfrm>
-            <a:off x="4022945" y="2"/>
+            <a:off x="4022946" y="3"/>
             <a:ext cx="3076363" cy="511731"/>
           </a:xfrm>
           <a:prstGeom prst="rect">
@@ -251,7 +251,7 @@
           </a:ln>
         </p:spPr>
         <p:txBody>
-          <a:bodyPr vert="horz" wrap="square" lIns="83073" tIns="41537" rIns="83073" bIns="41537" numCol="1" anchor="t" anchorCtr="0" compatLnSpc="1">
+          <a:bodyPr vert="horz" wrap="square" lIns="83067" tIns="41534" rIns="83067" bIns="41534" numCol="1" anchor="t" anchorCtr="0" compatLnSpc="1">
             <a:prstTxWarp prst="textNoShape">
               <a:avLst/>
             </a:prstTxWarp>
@@ -278,7 +278,7 @@
         </p:nvSpPr>
         <p:spPr bwMode="auto">
           <a:xfrm>
-            <a:off x="6" y="9722882"/>
+            <a:off x="7" y="9722882"/>
             <a:ext cx="3076363" cy="511731"/>
           </a:xfrm>
           <a:prstGeom prst="rect">
@@ -293,7 +293,7 @@
           </a:ln>
         </p:spPr>
         <p:txBody>
-          <a:bodyPr vert="horz" wrap="square" lIns="83073" tIns="41537" rIns="83073" bIns="41537" numCol="1" anchor="b" anchorCtr="0" compatLnSpc="1">
+          <a:bodyPr vert="horz" wrap="square" lIns="83067" tIns="41534" rIns="83067" bIns="41534" numCol="1" anchor="b" anchorCtr="0" compatLnSpc="1">
             <a:prstTxWarp prst="textNoShape">
               <a:avLst/>
             </a:prstTxWarp>
@@ -320,7 +320,7 @@
         </p:nvSpPr>
         <p:spPr bwMode="auto">
           <a:xfrm>
-            <a:off x="4022945" y="9722882"/>
+            <a:off x="4022946" y="9722882"/>
             <a:ext cx="3076363" cy="511731"/>
           </a:xfrm>
           <a:prstGeom prst="rect">
@@ -335,7 +335,7 @@
           </a:ln>
         </p:spPr>
         <p:txBody>
-          <a:bodyPr vert="horz" wrap="square" lIns="83073" tIns="41537" rIns="83073" bIns="41537" numCol="1" anchor="b" anchorCtr="0" compatLnSpc="1">
+          <a:bodyPr vert="horz" wrap="square" lIns="83067" tIns="41534" rIns="83067" bIns="41534" numCol="1" anchor="b" anchorCtr="0" compatLnSpc="1">
             <a:prstTxWarp prst="textNoShape">
               <a:avLst/>
             </a:prstTxWarp>
@@ -398,7 +398,7 @@
         </p:nvSpPr>
         <p:spPr bwMode="auto">
           <a:xfrm>
-            <a:off x="6" y="2"/>
+            <a:off x="7" y="3"/>
             <a:ext cx="3076363" cy="511731"/>
           </a:xfrm>
           <a:prstGeom prst="rect">
@@ -413,7 +413,7 @@
           </a:ln>
         </p:spPr>
         <p:txBody>
-          <a:bodyPr vert="horz" wrap="square" lIns="83073" tIns="41537" rIns="83073" bIns="41537" numCol="1" anchor="t" anchorCtr="0" compatLnSpc="1">
+          <a:bodyPr vert="horz" wrap="square" lIns="83067" tIns="41534" rIns="83067" bIns="41534" numCol="1" anchor="t" anchorCtr="0" compatLnSpc="1">
             <a:prstTxWarp prst="textNoShape">
               <a:avLst/>
             </a:prstTxWarp>
@@ -440,7 +440,7 @@
         </p:nvSpPr>
         <p:spPr bwMode="auto">
           <a:xfrm>
-            <a:off x="4022945" y="2"/>
+            <a:off x="4022946" y="3"/>
             <a:ext cx="3076363" cy="511731"/>
           </a:xfrm>
           <a:prstGeom prst="rect">
@@ -455,7 +455,7 @@
           </a:ln>
         </p:spPr>
         <p:txBody>
-          <a:bodyPr vert="horz" wrap="square" lIns="83073" tIns="41537" rIns="83073" bIns="41537" numCol="1" anchor="t" anchorCtr="0" compatLnSpc="1">
+          <a:bodyPr vert="horz" wrap="square" lIns="83067" tIns="41534" rIns="83067" bIns="41534" numCol="1" anchor="t" anchorCtr="0" compatLnSpc="1">
             <a:prstTxWarp prst="textNoShape">
               <a:avLst/>
             </a:prstTxWarp>
@@ -482,8 +482,8 @@
         </p:nvSpPr>
         <p:spPr bwMode="auto">
           <a:xfrm>
-            <a:off x="993775" y="769938"/>
-            <a:ext cx="5111750" cy="3835400"/>
+            <a:off x="992188" y="769938"/>
+            <a:ext cx="5114925" cy="3835400"/>
           </a:xfrm>
           <a:prstGeom prst="rect">
             <a:avLst/>
@@ -512,7 +512,7 @@
         </p:nvSpPr>
         <p:spPr bwMode="auto">
           <a:xfrm>
-            <a:off x="946580" y="4861441"/>
+            <a:off x="946581" y="4861441"/>
             <a:ext cx="5206153" cy="4605576"/>
           </a:xfrm>
           <a:prstGeom prst="rect">
@@ -527,7 +527,7 @@
           </a:ln>
         </p:spPr>
         <p:txBody>
-          <a:bodyPr vert="horz" wrap="square" lIns="83073" tIns="41537" rIns="83073" bIns="41537" numCol="1" anchor="t" anchorCtr="0" compatLnSpc="1">
+          <a:bodyPr vert="horz" wrap="square" lIns="83067" tIns="41534" rIns="83067" bIns="41534" numCol="1" anchor="t" anchorCtr="0" compatLnSpc="1">
             <a:prstTxWarp prst="textNoShape">
               <a:avLst/>
             </a:prstTxWarp>
@@ -582,7 +582,7 @@
         </p:nvSpPr>
         <p:spPr bwMode="auto">
           <a:xfrm>
-            <a:off x="6" y="9722882"/>
+            <a:off x="7" y="9722882"/>
             <a:ext cx="3076363" cy="511731"/>
           </a:xfrm>
           <a:prstGeom prst="rect">
@@ -597,7 +597,7 @@
           </a:ln>
         </p:spPr>
         <p:txBody>
-          <a:bodyPr vert="horz" wrap="square" lIns="83073" tIns="41537" rIns="83073" bIns="41537" numCol="1" anchor="b" anchorCtr="0" compatLnSpc="1">
+          <a:bodyPr vert="horz" wrap="square" lIns="83067" tIns="41534" rIns="83067" bIns="41534" numCol="1" anchor="b" anchorCtr="0" compatLnSpc="1">
             <a:prstTxWarp prst="textNoShape">
               <a:avLst/>
             </a:prstTxWarp>
@@ -624,7 +624,7 @@
         </p:nvSpPr>
         <p:spPr bwMode="auto">
           <a:xfrm>
-            <a:off x="4022945" y="9722882"/>
+            <a:off x="4022946" y="9722882"/>
             <a:ext cx="3076363" cy="511731"/>
           </a:xfrm>
           <a:prstGeom prst="rect">
@@ -639,7 +639,7 @@
           </a:ln>
         </p:spPr>
         <p:txBody>
-          <a:bodyPr vert="horz" wrap="square" lIns="83073" tIns="41537" rIns="83073" bIns="41537" numCol="1" anchor="b" anchorCtr="0" compatLnSpc="1">
+          <a:bodyPr vert="horz" wrap="square" lIns="83067" tIns="41534" rIns="83067" bIns="41534" numCol="1" anchor="b" anchorCtr="0" compatLnSpc="1">
             <a:prstTxWarp prst="textNoShape">
               <a:avLst/>
             </a:prstTxWarp>
@@ -3142,15 +3142,7 @@
             <a:pPr algn="ctr"/>
             <a:r>
               <a:rPr lang="en-US" sz="4000" b="1" smtClean="0"/>
-              <a:t>The </a:t>
-            </a:r>
-            <a:r>
-              <a:rPr lang="en-US" sz="4000" b="1" smtClean="0"/>
-              <a:t>Net4j Signalling Platform</a:t>
-            </a:r>
-            <a:r>
-              <a:rPr lang="en-US" sz="4000" b="1" smtClean="0"/>
-              <a:t/>
+              <a:t>The Net4j Signalling Platform</a:t>
             </a:r>
             <a:br>
               <a:rPr lang="en-US" sz="4000" b="1" smtClean="0"/>
@@ -3164,11 +3156,7 @@
             </a:br>
             <a:r>
               <a:rPr lang="en-US" sz="1800" b="1" smtClean="0"/>
-              <a:t>Developing Pluggable Client/Server </a:t>
-            </a:r>
-            <a:r>
-              <a:rPr lang="en-US" sz="1800" b="1" smtClean="0"/>
-              <a:t>Applications</a:t>
+              <a:t>Developing Pluggable Client/Server Applications</a:t>
             </a:r>
             <a:endParaRPr lang="en-US" b="1" dirty="0"/>
           </a:p>
@@ -7637,6 +7625,38 @@
           <a:chExt cx="0" cy="0"/>
         </a:xfrm>
       </p:grpSpPr>
+      <p:pic>
+        <p:nvPicPr>
+          <p:cNvPr id="1026" name="Picture 2"/>
+          <p:cNvPicPr>
+            <a:picLocks noChangeAspect="1" noChangeArrowheads="1"/>
+          </p:cNvPicPr>
+          <p:nvPr/>
+        </p:nvPicPr>
+        <p:blipFill>
+          <a:blip r:embed="rId3" cstate="print"/>
+          <a:srcRect/>
+          <a:stretch>
+            <a:fillRect/>
+          </a:stretch>
+        </p:blipFill>
+        <p:spPr bwMode="auto">
+          <a:xfrm>
+            <a:off x="1428729" y="432538"/>
+            <a:ext cx="6500857" cy="5801661"/>
+          </a:xfrm>
+          <a:prstGeom prst="rect">
+            <a:avLst/>
+          </a:prstGeom>
+          <a:noFill/>
+          <a:ln w="9525">
+            <a:noFill/>
+            <a:miter lim="800000"/>
+            <a:headEnd/>
+            <a:tailEnd/>
+          </a:ln>
+        </p:spPr>
+      </p:pic>
       <p:sp>
         <p:nvSpPr>
           <p:cNvPr id="4" name="Wolke 3"/>
@@ -7731,6 +7751,105 @@
               <a:t>FileShare Demo</a:t>
             </a:r>
             <a:endParaRPr lang="en-US" b="1" dirty="0"/>
+          </a:p>
+        </p:txBody>
+      </p:sp>
+      <p:pic>
+        <p:nvPicPr>
+          <p:cNvPr id="8" name="Picture 2"/>
+          <p:cNvPicPr>
+            <a:picLocks noChangeAspect="1" noChangeArrowheads="1"/>
+          </p:cNvPicPr>
+          <p:nvPr/>
+        </p:nvPicPr>
+        <p:blipFill>
+          <a:blip r:embed="rId4" cstate="print"/>
+          <a:srcRect/>
+          <a:stretch>
+            <a:fillRect/>
+          </a:stretch>
+        </p:blipFill>
+        <p:spPr bwMode="auto">
+          <a:xfrm>
+            <a:off x="6215074" y="1714488"/>
+            <a:ext cx="1095375" cy="1095375"/>
+          </a:xfrm>
+          <a:prstGeom prst="rect">
+            <a:avLst/>
+          </a:prstGeom>
+          <a:noFill/>
+          <a:ln w="9525">
+            <a:noFill/>
+            <a:miter lim="800000"/>
+            <a:headEnd/>
+            <a:tailEnd/>
+          </a:ln>
+        </p:spPr>
+      </p:pic>
+      <p:sp>
+        <p:nvSpPr>
+          <p:cNvPr id="9" name="Bogen 8"/>
+          <p:cNvSpPr/>
+          <p:nvPr/>
+        </p:nvSpPr>
+        <p:spPr bwMode="auto">
+          <a:xfrm rot="564286">
+            <a:off x="6132756" y="2514694"/>
+            <a:ext cx="2071702" cy="1785950"/>
+          </a:xfrm>
+          <a:prstGeom prst="arc">
+            <a:avLst>
+              <a:gd name="adj1" fmla="val 16200000"/>
+              <a:gd name="adj2" fmla="val 20904230"/>
+            </a:avLst>
+          </a:prstGeom>
+          <a:noFill/>
+          <a:ln w="76200" cap="flat" cmpd="sng" algn="ctr">
+            <a:solidFill>
+              <a:srgbClr val="C00000"/>
+            </a:solidFill>
+            <a:prstDash val="solid"/>
+            <a:round/>
+            <a:headEnd type="triangle" w="med" len="med"/>
+            <a:tailEnd type="none" w="med" len="med"/>
+          </a:ln>
+          <a:effectLst/>
+        </p:spPr>
+        <p:txBody>
+          <a:bodyPr vert="horz" wrap="square" lIns="91440" tIns="45720" rIns="91440" bIns="45720" numCol="1" rtlCol="0" anchor="t" anchorCtr="0" compatLnSpc="1">
+            <a:prstTxWarp prst="textNoShape">
+              <a:avLst/>
+            </a:prstTxWarp>
+          </a:bodyPr>
+          <a:lstStyle/>
+          <a:p>
+            <a:pPr marL="0" marR="0" indent="0" algn="l" defTabSz="914400" rtl="0" eaLnBrk="0" fontAlgn="base" latinLnBrk="0" hangingPunct="0">
+              <a:lnSpc>
+                <a:spcPct val="100000"/>
+              </a:lnSpc>
+              <a:spcBef>
+                <a:spcPct val="0"/>
+              </a:spcBef>
+              <a:spcAft>
+                <a:spcPct val="0"/>
+              </a:spcAft>
+              <a:buClrTx/>
+              <a:buSzTx/>
+              <a:buFontTx/>
+              <a:buNone/>
+              <a:tabLst/>
+            </a:pPr>
+            <a:endParaRPr kumimoji="0" lang="en-US" sz="2400" b="0" i="0" u="none" strike="noStrike" cap="none" normalizeH="0" baseline="0" smtClean="0">
+              <a:ln>
+                <a:noFill/>
+              </a:ln>
+              <a:solidFill>
+                <a:schemeClr val="tx1"/>
+              </a:solidFill>
+              <a:effectLst/>
+              <a:latin typeface="Arial" charset="0"/>
+              <a:ea typeface="ＭＳ Ｐゴシック" pitchFamily="80" charset="-128"/>
+            </a:endParaRPr>
           </a:p>
         </p:txBody>
       </p:sp>
@@ -8139,11 +8258,7 @@
             </a:r>
             <a:r>
               <a:rPr lang="en-US" smtClean="0"/>
-              <a:t>with </a:t>
-            </a:r>
-            <a:r>
-              <a:rPr lang="en-US" smtClean="0"/>
-              <a:t>TCP, HTTP </a:t>
+              <a:t>with TCP, HTTP </a:t>
             </a:r>
             <a:r>
               <a:rPr lang="en-US" dirty="0" smtClean="0"/>
@@ -8177,11 +8292,7 @@
             </a:r>
             <a:r>
               <a:rPr lang="en-US" smtClean="0"/>
-              <a:t>requests </a:t>
-            </a:r>
-            <a:r>
-              <a:rPr lang="en-US" smtClean="0"/>
-              <a:t>towards the client</a:t>
+              <a:t>requests towards the client</a:t>
             </a:r>
             <a:endParaRPr lang="en-US" dirty="0" smtClean="0"/>
           </a:p>
